--- a/01 Classes/Aula 01 Programação Python.pptx
+++ b/01 Classes/Aula 01 Programação Python.pptx
@@ -4256,8 +4256,18 @@
                 <a:latin typeface="Times New Roman" panose="02020603050405020304" pitchFamily="18" charset="0"/>
                 <a:cs typeface="Times New Roman" panose="02020603050405020304" pitchFamily="18" charset="0"/>
               </a:rPr>
-              <a:t>: Contextualização do Tema; Mapa Mental/Conceitual; 02 Exemplos (apresentar programa Python utilizando o elemento Tema); Referências </a:t>
-            </a:r>
+              <a:t>: Contextualização do Tema; Mapa Mental/Conceitual; 02 Exemplos (apresentar programa Python utilizando o elemento Tema); Referências</a:t>
+            </a:r>
+            <a:endParaRPr lang="pt-BR" sz="2000" b="1" dirty="0">
+              <a:solidFill>
+                <a:srgbClr val="FF0000"/>
+              </a:solidFill>
+              <a:latin typeface="Times New Roman" panose="02020603050405020304" pitchFamily="18" charset="0"/>
+              <a:cs typeface="Times New Roman" panose="02020603050405020304" pitchFamily="18" charset="0"/>
+            </a:endParaRPr>
+          </a:p>
+          <a:p>
+            <a:pPr lvl="1" algn="just"/>
             <a:r>
               <a:rPr lang="pt-BR" sz="2000" b="1" dirty="0">
                 <a:solidFill>
@@ -4266,89 +4276,60 @@
                 <a:latin typeface="Times New Roman" panose="02020603050405020304" pitchFamily="18" charset="0"/>
                 <a:cs typeface="Times New Roman" panose="02020603050405020304" pitchFamily="18" charset="0"/>
               </a:rPr>
-              <a:t>(Peso: 1,0)</a:t>
-            </a:r>
+              <a:t>Parte Oral</a:t>
+            </a:r>
+            <a:r>
+              <a:rPr lang="pt-BR" sz="2000" dirty="0">
+                <a:latin typeface="Times New Roman" panose="02020603050405020304" pitchFamily="18" charset="0"/>
+                <a:cs typeface="Times New Roman" panose="02020603050405020304" pitchFamily="18" charset="0"/>
+              </a:rPr>
+              <a:t>: Apresentação, criar um vídeo gravado.</a:t>
+            </a:r>
+            <a:endParaRPr lang="pt-BR" sz="2000" b="1" dirty="0">
+              <a:solidFill>
+                <a:srgbClr val="FF0000"/>
+              </a:solidFill>
+              <a:latin typeface="Times New Roman" panose="02020603050405020304" pitchFamily="18" charset="0"/>
+              <a:cs typeface="Times New Roman" panose="02020603050405020304" pitchFamily="18" charset="0"/>
+            </a:endParaRPr>
           </a:p>
           <a:p>
             <a:pPr lvl="1" algn="just"/>
             <a:r>
-              <a:rPr lang="pt-BR" sz="2000" b="1" dirty="0">
+              <a:rPr lang="pt-BR" sz="2000" dirty="0">
+                <a:latin typeface="Times New Roman" panose="02020603050405020304" pitchFamily="18" charset="0"/>
+                <a:cs typeface="Times New Roman" panose="02020603050405020304" pitchFamily="18" charset="0"/>
+              </a:rPr>
+              <a:t>Nota AV1 (</a:t>
+            </a:r>
+            <a:r>
+              <a:rPr lang="pt-BR" sz="2000" b="1">
+                <a:latin typeface="Times New Roman" panose="02020603050405020304" pitchFamily="18" charset="0"/>
+                <a:cs typeface="Times New Roman" panose="02020603050405020304" pitchFamily="18" charset="0"/>
+              </a:rPr>
+              <a:t>Atividades </a:t>
+            </a:r>
+            <a:r>
+              <a:rPr lang="pt-BR" sz="2000" b="1">
                 <a:solidFill>
                   <a:srgbClr val="FF0000"/>
                 </a:solidFill>
                 <a:latin typeface="Times New Roman" panose="02020603050405020304" pitchFamily="18" charset="0"/>
                 <a:cs typeface="Times New Roman" panose="02020603050405020304" pitchFamily="18" charset="0"/>
               </a:rPr>
-              <a:t>Parte Oral</a:t>
-            </a:r>
-            <a:r>
-              <a:rPr lang="pt-BR" sz="2000" dirty="0">
+              <a:t>pontuada</a:t>
+            </a:r>
+            <a:r>
+              <a:rPr lang="pt-BR" sz="2000">
                 <a:latin typeface="Times New Roman" panose="02020603050405020304" pitchFamily="18" charset="0"/>
                 <a:cs typeface="Times New Roman" panose="02020603050405020304" pitchFamily="18" charset="0"/>
               </a:rPr>
-              <a:t>: Apresentação, criar um vídeo gravado. </a:t>
-            </a:r>
-            <a:r>
-              <a:rPr lang="pt-BR" sz="2000" b="1" dirty="0">
-                <a:solidFill>
-                  <a:srgbClr val="FF0000"/>
-                </a:solidFill>
-                <a:latin typeface="Times New Roman" panose="02020603050405020304" pitchFamily="18" charset="0"/>
-                <a:cs typeface="Times New Roman" panose="02020603050405020304" pitchFamily="18" charset="0"/>
-              </a:rPr>
-              <a:t>(Peso:0,5)</a:t>
-            </a:r>
-          </a:p>
-          <a:p>
-            <a:pPr lvl="1" algn="just"/>
-            <a:r>
-              <a:rPr lang="pt-BR" sz="2000" dirty="0">
-                <a:latin typeface="Times New Roman" panose="02020603050405020304" pitchFamily="18" charset="0"/>
-                <a:cs typeface="Times New Roman" panose="02020603050405020304" pitchFamily="18" charset="0"/>
-              </a:rPr>
-              <a:t>Nota AV1 (</a:t>
-            </a:r>
-            <a:r>
-              <a:rPr lang="pt-BR" sz="2000" b="1" dirty="0">
-                <a:latin typeface="Times New Roman" panose="02020603050405020304" pitchFamily="18" charset="0"/>
-                <a:cs typeface="Times New Roman" panose="02020603050405020304" pitchFamily="18" charset="0"/>
-              </a:rPr>
-              <a:t>06 Atividades </a:t>
-            </a:r>
-            <a:r>
-              <a:rPr lang="pt-BR" sz="2000" b="1" dirty="0">
-                <a:solidFill>
-                  <a:srgbClr val="FF0000"/>
-                </a:solidFill>
-                <a:latin typeface="Times New Roman" panose="02020603050405020304" pitchFamily="18" charset="0"/>
-                <a:cs typeface="Times New Roman" panose="02020603050405020304" pitchFamily="18" charset="0"/>
-              </a:rPr>
-              <a:t>valendo 1,5 </a:t>
-            </a:r>
-            <a:r>
-              <a:rPr lang="pt-BR" sz="2000" b="1" dirty="0">
-                <a:latin typeface="Times New Roman" panose="02020603050405020304" pitchFamily="18" charset="0"/>
-                <a:cs typeface="Times New Roman" panose="02020603050405020304" pitchFamily="18" charset="0"/>
-              </a:rPr>
-              <a:t>+ 01 atividade </a:t>
-            </a:r>
-            <a:r>
-              <a:rPr lang="pt-BR" sz="2000" b="1" dirty="0">
-                <a:solidFill>
-                  <a:srgbClr val="FF0000"/>
-                </a:solidFill>
-                <a:latin typeface="Times New Roman" panose="02020603050405020304" pitchFamily="18" charset="0"/>
-                <a:cs typeface="Times New Roman" panose="02020603050405020304" pitchFamily="18" charset="0"/>
-              </a:rPr>
-              <a:t>valendo 1</a:t>
-            </a:r>
-            <a:r>
-              <a:rPr lang="pt-BR" sz="2000" dirty="0">
-                <a:latin typeface="Times New Roman" panose="02020603050405020304" pitchFamily="18" charset="0"/>
-                <a:cs typeface="Times New Roman" panose="02020603050405020304" pitchFamily="18" charset="0"/>
-              </a:rPr>
               <a:t>)</a:t>
             </a:r>
+            <a:endParaRPr lang="pt-BR" sz="2000" dirty="0">
+              <a:latin typeface="Times New Roman" panose="02020603050405020304" pitchFamily="18" charset="0"/>
+              <a:cs typeface="Times New Roman" panose="02020603050405020304" pitchFamily="18" charset="0"/>
+            </a:endParaRPr>
           </a:p>
           <a:p>
             <a:pPr algn="just"/>
